--- a/figures/final_figs/Supplementary/Sample_FlowChart.pptx
+++ b/figures/final_figs/Supplementary/Sample_FlowChart.pptx
@@ -197,7 +197,7 @@
           <a:p>
             <a:fld id="{5AC3C846-4688-5A4B-9AE8-F766FF9A3F12}" type="datetimeFigureOut">
               <a:rPr lang="en-DK" smtClean="0"/>
-              <a:t>12/11/2023</a:t>
+              <a:t>17/04/2024</a:t>
             </a:fld>
             <a:endParaRPr lang="en-DK"/>
           </a:p>
@@ -614,7 +614,7 @@
           <a:p>
             <a:fld id="{2A8626BC-DDAB-444C-A2FE-E9DD219F5405}" type="datetimeFigureOut">
               <a:rPr lang="en-DK" smtClean="0"/>
-              <a:t>12/11/2023</a:t>
+              <a:t>17/04/2024</a:t>
             </a:fld>
             <a:endParaRPr lang="en-DK"/>
           </a:p>
@@ -814,7 +814,7 @@
           <a:p>
             <a:fld id="{2A8626BC-DDAB-444C-A2FE-E9DD219F5405}" type="datetimeFigureOut">
               <a:rPr lang="en-DK" smtClean="0"/>
-              <a:t>12/11/2023</a:t>
+              <a:t>17/04/2024</a:t>
             </a:fld>
             <a:endParaRPr lang="en-DK"/>
           </a:p>
@@ -1024,7 +1024,7 @@
           <a:p>
             <a:fld id="{2A8626BC-DDAB-444C-A2FE-E9DD219F5405}" type="datetimeFigureOut">
               <a:rPr lang="en-DK" smtClean="0"/>
-              <a:t>12/11/2023</a:t>
+              <a:t>17/04/2024</a:t>
             </a:fld>
             <a:endParaRPr lang="en-DK"/>
           </a:p>
@@ -1224,7 +1224,7 @@
           <a:p>
             <a:fld id="{2A8626BC-DDAB-444C-A2FE-E9DD219F5405}" type="datetimeFigureOut">
               <a:rPr lang="en-DK" smtClean="0"/>
-              <a:t>12/11/2023</a:t>
+              <a:t>17/04/2024</a:t>
             </a:fld>
             <a:endParaRPr lang="en-DK"/>
           </a:p>
@@ -1500,7 +1500,7 @@
           <a:p>
             <a:fld id="{2A8626BC-DDAB-444C-A2FE-E9DD219F5405}" type="datetimeFigureOut">
               <a:rPr lang="en-DK" smtClean="0"/>
-              <a:t>12/11/2023</a:t>
+              <a:t>17/04/2024</a:t>
             </a:fld>
             <a:endParaRPr lang="en-DK"/>
           </a:p>
@@ -1768,7 +1768,7 @@
           <a:p>
             <a:fld id="{2A8626BC-DDAB-444C-A2FE-E9DD219F5405}" type="datetimeFigureOut">
               <a:rPr lang="en-DK" smtClean="0"/>
-              <a:t>12/11/2023</a:t>
+              <a:t>17/04/2024</a:t>
             </a:fld>
             <a:endParaRPr lang="en-DK"/>
           </a:p>
@@ -2183,7 +2183,7 @@
           <a:p>
             <a:fld id="{2A8626BC-DDAB-444C-A2FE-E9DD219F5405}" type="datetimeFigureOut">
               <a:rPr lang="en-DK" smtClean="0"/>
-              <a:t>12/11/2023</a:t>
+              <a:t>17/04/2024</a:t>
             </a:fld>
             <a:endParaRPr lang="en-DK"/>
           </a:p>
@@ -2325,7 +2325,7 @@
           <a:p>
             <a:fld id="{2A8626BC-DDAB-444C-A2FE-E9DD219F5405}" type="datetimeFigureOut">
               <a:rPr lang="en-DK" smtClean="0"/>
-              <a:t>12/11/2023</a:t>
+              <a:t>17/04/2024</a:t>
             </a:fld>
             <a:endParaRPr lang="en-DK"/>
           </a:p>
@@ -2438,7 +2438,7 @@
           <a:p>
             <a:fld id="{2A8626BC-DDAB-444C-A2FE-E9DD219F5405}" type="datetimeFigureOut">
               <a:rPr lang="en-DK" smtClean="0"/>
-              <a:t>12/11/2023</a:t>
+              <a:t>17/04/2024</a:t>
             </a:fld>
             <a:endParaRPr lang="en-DK"/>
           </a:p>
@@ -2751,7 +2751,7 @@
           <a:p>
             <a:fld id="{2A8626BC-DDAB-444C-A2FE-E9DD219F5405}" type="datetimeFigureOut">
               <a:rPr lang="en-DK" smtClean="0"/>
-              <a:t>12/11/2023</a:t>
+              <a:t>17/04/2024</a:t>
             </a:fld>
             <a:endParaRPr lang="en-DK"/>
           </a:p>
@@ -3040,7 +3040,7 @@
           <a:p>
             <a:fld id="{2A8626BC-DDAB-444C-A2FE-E9DD219F5405}" type="datetimeFigureOut">
               <a:rPr lang="en-DK" smtClean="0"/>
-              <a:t>12/11/2023</a:t>
+              <a:t>17/04/2024</a:t>
             </a:fld>
             <a:endParaRPr lang="en-DK"/>
           </a:p>
@@ -3283,7 +3283,7 @@
           <a:p>
             <a:fld id="{2A8626BC-DDAB-444C-A2FE-E9DD219F5405}" type="datetimeFigureOut">
               <a:rPr lang="en-DK" smtClean="0"/>
-              <a:t>12/11/2023</a:t>
+              <a:t>17/04/2024</a:t>
             </a:fld>
             <a:endParaRPr lang="en-DK"/>
           </a:p>
@@ -3702,10 +3702,10 @@
       </p:grpSpPr>
       <p:sp>
         <p:nvSpPr>
-          <p:cNvPr id="4" name="TextBox 3">
-            <a:extLst>
-              <a:ext uri="{FF2B5EF4-FFF2-40B4-BE49-F238E27FC236}">
-                <a16:creationId xmlns:a16="http://schemas.microsoft.com/office/drawing/2014/main" id="{35DD5FBD-5596-C30B-04CC-ECC89E038FE6}"/>
+          <p:cNvPr id="7" name="TextBox 6">
+            <a:extLst>
+              <a:ext uri="{FF2B5EF4-FFF2-40B4-BE49-F238E27FC236}">
+                <a16:creationId xmlns:a16="http://schemas.microsoft.com/office/drawing/2014/main" id="{42E122F8-C30F-18CE-CD9E-8E6FCAC1BCF5}"/>
               </a:ext>
             </a:extLst>
           </p:cNvPr>
@@ -3714,8 +3714,8 @@
         </p:nvSpPr>
         <p:spPr>
           <a:xfrm>
-            <a:off x="4258311" y="468998"/>
-            <a:ext cx="2214197" cy="615553"/>
+            <a:off x="4700897" y="1723286"/>
+            <a:ext cx="1322606" cy="615553"/>
           </a:xfrm>
           <a:prstGeom prst="rect">
             <a:avLst/>
@@ -3737,9 +3737,14 @@
           <a:p>
             <a:pPr algn="ctr"/>
             <a:r>
-              <a:rPr lang="en-DK" b="1" dirty="0"/>
-              <a:t>Visceral Mind Project</a:t>
-            </a:r>
+              <a:rPr lang="da-DK" b="1" dirty="0" err="1"/>
+              <a:t>fMRI</a:t>
+            </a:r>
+            <a:r>
+              <a:rPr lang="da-DK" b="1" dirty="0"/>
+              <a:t> &amp; EGG</a:t>
+            </a:r>
+            <a:endParaRPr lang="en-DK" b="1" dirty="0"/>
           </a:p>
           <a:p>
             <a:pPr algn="ctr"/>
@@ -3749,17 +3754,17 @@
             </a:r>
             <a:r>
               <a:rPr lang="en-DK" sz="1600" dirty="0"/>
-              <a:t> = 566</a:t>
-            </a:r>
-          </a:p>
-        </p:txBody>
-      </p:sp>
-      <p:sp>
-        <p:nvSpPr>
-          <p:cNvPr id="6" name="TextBox 5">
-            <a:extLst>
-              <a:ext uri="{FF2B5EF4-FFF2-40B4-BE49-F238E27FC236}">
-                <a16:creationId xmlns:a16="http://schemas.microsoft.com/office/drawing/2014/main" id="{E38B2E66-449F-821C-C974-374306238014}"/>
+              <a:t> = 380 </a:t>
+            </a:r>
+          </a:p>
+        </p:txBody>
+      </p:sp>
+      <p:sp>
+        <p:nvSpPr>
+          <p:cNvPr id="8" name="TextBox 7">
+            <a:extLst>
+              <a:ext uri="{FF2B5EF4-FFF2-40B4-BE49-F238E27FC236}">
+                <a16:creationId xmlns:a16="http://schemas.microsoft.com/office/drawing/2014/main" id="{784C1015-B904-34AF-B4DB-13B84BE8FC9B}"/>
               </a:ext>
             </a:extLst>
           </p:cNvPr>
@@ -3768,128 +3773,8 @@
         </p:nvSpPr>
         <p:spPr>
           <a:xfrm>
-            <a:off x="1541375" y="1790367"/>
-            <a:ext cx="1502334" cy="615553"/>
-          </a:xfrm>
-          <a:prstGeom prst="rect">
-            <a:avLst/>
-          </a:prstGeom>
-          <a:solidFill>
-            <a:srgbClr val="F5DDD8"/>
-          </a:solidFill>
-          <a:ln w="28575">
-            <a:solidFill>
-              <a:schemeClr val="tx2"/>
-            </a:solidFill>
-          </a:ln>
-          <a:effectLst>
-            <a:softEdge rad="0"/>
-          </a:effectLst>
-        </p:spPr>
-        <p:txBody>
-          <a:bodyPr wrap="none" rtlCol="0">
-            <a:spAutoFit/>
-          </a:bodyPr>
-          <a:lstStyle/>
-          <a:p>
-            <a:pPr algn="ctr"/>
-            <a:r>
-              <a:rPr lang="en-DK" b="1" dirty="0"/>
-              <a:t>Quality Check</a:t>
-            </a:r>
-          </a:p>
-          <a:p>
-            <a:pPr algn="ctr"/>
-            <a:r>
-              <a:rPr lang="en-GB" sz="1600" dirty="0">
-                <a:solidFill>
-                  <a:srgbClr val="C00000"/>
-                </a:solidFill>
-              </a:rPr>
-              <a:t>n</a:t>
-            </a:r>
-            <a:r>
-              <a:rPr lang="en-DK" sz="1600" dirty="0">
-                <a:solidFill>
-                  <a:srgbClr val="C00000"/>
-                </a:solidFill>
-              </a:rPr>
-              <a:t> = 41 rejected</a:t>
-            </a:r>
-          </a:p>
-        </p:txBody>
-      </p:sp>
-      <p:sp>
-        <p:nvSpPr>
-          <p:cNvPr id="7" name="TextBox 6">
-            <a:extLst>
-              <a:ext uri="{FF2B5EF4-FFF2-40B4-BE49-F238E27FC236}">
-                <a16:creationId xmlns:a16="http://schemas.microsoft.com/office/drawing/2014/main" id="{42E122F8-C30F-18CE-CD9E-8E6FCAC1BCF5}"/>
-              </a:ext>
-            </a:extLst>
-          </p:cNvPr>
-          <p:cNvSpPr txBox="1"/>
-          <p:nvPr/>
-        </p:nvSpPr>
-        <p:spPr>
-          <a:xfrm>
-            <a:off x="6043093" y="1790367"/>
-            <a:ext cx="846706" cy="615553"/>
-          </a:xfrm>
-          <a:prstGeom prst="rect">
-            <a:avLst/>
-          </a:prstGeom>
-          <a:solidFill>
-            <a:srgbClr val="E3F7F7"/>
-          </a:solidFill>
-          <a:ln w="28575">
-            <a:solidFill>
-              <a:schemeClr val="tx2"/>
-            </a:solidFill>
-          </a:ln>
-        </p:spPr>
-        <p:txBody>
-          <a:bodyPr wrap="none" rtlCol="0">
-            <a:spAutoFit/>
-          </a:bodyPr>
-          <a:lstStyle/>
-          <a:p>
-            <a:pPr algn="ctr"/>
-            <a:r>
-              <a:rPr lang="da-DK" b="1" dirty="0"/>
-              <a:t>EGG</a:t>
-            </a:r>
-            <a:endParaRPr lang="en-DK" b="1" dirty="0"/>
-          </a:p>
-          <a:p>
-            <a:pPr algn="ctr"/>
-            <a:r>
-              <a:rPr lang="en-GB" sz="1600" dirty="0"/>
-              <a:t>n</a:t>
-            </a:r>
-            <a:r>
-              <a:rPr lang="en-DK" sz="1600" dirty="0"/>
-              <a:t> = 380 </a:t>
-            </a:r>
-          </a:p>
-        </p:txBody>
-      </p:sp>
-      <p:sp>
-        <p:nvSpPr>
-          <p:cNvPr id="8" name="TextBox 7">
-            <a:extLst>
-              <a:ext uri="{FF2B5EF4-FFF2-40B4-BE49-F238E27FC236}">
-                <a16:creationId xmlns:a16="http://schemas.microsoft.com/office/drawing/2014/main" id="{784C1015-B904-34AF-B4DB-13B84BE8FC9B}"/>
-              </a:ext>
-            </a:extLst>
-          </p:cNvPr>
-          <p:cNvSpPr txBox="1"/>
-          <p:nvPr/>
-        </p:nvSpPr>
-        <p:spPr>
-          <a:xfrm>
-            <a:off x="7153435" y="1790982"/>
-            <a:ext cx="1534331" cy="615553"/>
+            <a:off x="6944849" y="2353383"/>
+            <a:ext cx="1958999" cy="615553"/>
           </a:xfrm>
           <a:prstGeom prst="rect">
             <a:avLst/>
@@ -3912,7 +3797,15 @@
             <a:pPr algn="ctr"/>
             <a:r>
               <a:rPr lang="da-DK" b="1" dirty="0"/>
-              <a:t>Quality Check</a:t>
+              <a:t>EGG </a:t>
+            </a:r>
+            <a:r>
+              <a:rPr lang="da-DK" b="1" dirty="0" err="1"/>
+              <a:t>Quality</a:t>
+            </a:r>
+            <a:r>
+              <a:rPr lang="da-DK" b="1" dirty="0"/>
+              <a:t> Check</a:t>
             </a:r>
             <a:endParaRPr lang="en-DK" b="1" dirty="0"/>
           </a:p>
@@ -3951,8 +3844,8 @@
         </p:nvSpPr>
         <p:spPr>
           <a:xfrm>
-            <a:off x="4775204" y="5370323"/>
-            <a:ext cx="1208985" cy="615553"/>
+            <a:off x="4729651" y="5627670"/>
+            <a:ext cx="1271090" cy="615553"/>
           </a:xfrm>
           <a:prstGeom prst="rect">
             <a:avLst/>
@@ -3967,7 +3860,7 @@
           </a:ln>
         </p:spPr>
         <p:txBody>
-          <a:bodyPr wrap="none" rtlCol="0">
+          <a:bodyPr wrap="square" rtlCol="0">
             <a:spAutoFit/>
           </a:bodyPr>
           <a:lstStyle/>
@@ -4010,64 +3903,6 @@
                 </a:solidFill>
               </a:rPr>
               <a:t>199</a:t>
-            </a:r>
-          </a:p>
-        </p:txBody>
-      </p:sp>
-      <p:sp>
-        <p:nvSpPr>
-          <p:cNvPr id="3" name="TextBox 2">
-            <a:extLst>
-              <a:ext uri="{FF2B5EF4-FFF2-40B4-BE49-F238E27FC236}">
-                <a16:creationId xmlns:a16="http://schemas.microsoft.com/office/drawing/2014/main" id="{E5C01DB7-A5AA-21CD-54C9-4BE3C0EE7D81}"/>
-              </a:ext>
-            </a:extLst>
-          </p:cNvPr>
-          <p:cNvSpPr txBox="1"/>
-          <p:nvPr/>
-        </p:nvSpPr>
-        <p:spPr>
-          <a:xfrm>
-            <a:off x="3307345" y="1794466"/>
-            <a:ext cx="1901932" cy="615553"/>
-          </a:xfrm>
-          <a:prstGeom prst="rect">
-            <a:avLst/>
-          </a:prstGeom>
-          <a:solidFill>
-            <a:srgbClr val="E3F7F7"/>
-          </a:solidFill>
-          <a:ln w="28575">
-            <a:solidFill>
-              <a:schemeClr val="tx2"/>
-            </a:solidFill>
-          </a:ln>
-        </p:spPr>
-        <p:txBody>
-          <a:bodyPr wrap="none" rtlCol="0">
-            <a:spAutoFit/>
-          </a:bodyPr>
-          <a:lstStyle/>
-          <a:p>
-            <a:pPr algn="ctr"/>
-            <a:r>
-              <a:rPr lang="en-GB" b="1" dirty="0"/>
-              <a:t>T1 &amp; R</a:t>
-            </a:r>
-            <a:r>
-              <a:rPr lang="en-DK" b="1" dirty="0"/>
-              <a:t>esting fMRI</a:t>
-            </a:r>
-          </a:p>
-          <a:p>
-            <a:pPr algn="ctr"/>
-            <a:r>
-              <a:rPr lang="en-GB" sz="1600" dirty="0"/>
-              <a:t>n</a:t>
-            </a:r>
-            <a:r>
-              <a:rPr lang="en-DK" sz="1600" dirty="0"/>
-              <a:t> = 547</a:t>
             </a:r>
           </a:p>
         </p:txBody>
@@ -4143,7 +3978,7 @@
         </p:nvSpPr>
         <p:spPr>
           <a:xfrm>
-            <a:off x="1529652" y="3063695"/>
+            <a:off x="1102842" y="3136182"/>
             <a:ext cx="1618648" cy="615553"/>
           </a:xfrm>
           <a:prstGeom prst="rect">
@@ -4194,261 +4029,23 @@
       </p:sp>
       <p:cxnSp>
         <p:nvCxnSpPr>
-          <p:cNvPr id="18" name="Elbow Connector 17">
-            <a:extLst>
-              <a:ext uri="{FF2B5EF4-FFF2-40B4-BE49-F238E27FC236}">
-                <a16:creationId xmlns:a16="http://schemas.microsoft.com/office/drawing/2014/main" id="{B8C5DF20-8193-4853-B9C3-EDF01874F636}"/>
+          <p:cNvPr id="50" name="Straight Arrow Connector 49">
+            <a:extLst>
+              <a:ext uri="{FF2B5EF4-FFF2-40B4-BE49-F238E27FC236}">
+                <a16:creationId xmlns:a16="http://schemas.microsoft.com/office/drawing/2014/main" id="{45FFEEA4-925A-A613-02CB-455BD84766FF}"/>
               </a:ext>
             </a:extLst>
           </p:cNvPr>
           <p:cNvCxnSpPr>
             <a:cxnSpLocks/>
-            <a:stCxn id="4" idx="2"/>
-            <a:endCxn id="3" idx="0"/>
-          </p:cNvCxnSpPr>
-          <p:nvPr/>
-        </p:nvCxnSpPr>
-        <p:spPr>
-          <a:xfrm rot="5400000">
-            <a:off x="4456904" y="885959"/>
-            <a:ext cx="709915" cy="1107099"/>
-          </a:xfrm>
-          <a:prstGeom prst="bentConnector3">
-            <a:avLst/>
-          </a:prstGeom>
-          <a:ln w="19050">
-            <a:solidFill>
-              <a:schemeClr val="tx2">
-                <a:lumMod val="75000"/>
-              </a:schemeClr>
-            </a:solidFill>
-            <a:tailEnd type="triangle"/>
-          </a:ln>
-        </p:spPr>
-        <p:style>
-          <a:lnRef idx="1">
-            <a:schemeClr val="dk1"/>
-          </a:lnRef>
-          <a:fillRef idx="0">
-            <a:schemeClr val="dk1"/>
-          </a:fillRef>
-          <a:effectRef idx="0">
-            <a:schemeClr val="dk1"/>
-          </a:effectRef>
-          <a:fontRef idx="minor">
-            <a:schemeClr val="tx1"/>
-          </a:fontRef>
-        </p:style>
-      </p:cxnSp>
-      <p:cxnSp>
-        <p:nvCxnSpPr>
-          <p:cNvPr id="19" name="Elbow Connector 18">
-            <a:extLst>
-              <a:ext uri="{FF2B5EF4-FFF2-40B4-BE49-F238E27FC236}">
-                <a16:creationId xmlns:a16="http://schemas.microsoft.com/office/drawing/2014/main" id="{DF899901-6CB9-7BFA-87B5-3CE966DD281D}"/>
-              </a:ext>
-            </a:extLst>
-          </p:cNvPr>
-          <p:cNvCxnSpPr>
-            <a:cxnSpLocks/>
-            <a:endCxn id="7" idx="0"/>
-          </p:cNvCxnSpPr>
-          <p:nvPr/>
-        </p:nvCxnSpPr>
-        <p:spPr>
-          <a:xfrm>
-            <a:off x="5365411" y="1438382"/>
-            <a:ext cx="1101035" cy="351985"/>
-          </a:xfrm>
-          <a:prstGeom prst="bentConnector2">
-            <a:avLst/>
-          </a:prstGeom>
-          <a:ln w="19050">
-            <a:solidFill>
-              <a:schemeClr val="tx2">
-                <a:lumMod val="75000"/>
-              </a:schemeClr>
-            </a:solidFill>
-            <a:tailEnd type="triangle"/>
-          </a:ln>
-        </p:spPr>
-        <p:style>
-          <a:lnRef idx="1">
-            <a:schemeClr val="dk1"/>
-          </a:lnRef>
-          <a:fillRef idx="0">
-            <a:schemeClr val="dk1"/>
-          </a:fillRef>
-          <a:effectRef idx="0">
-            <a:schemeClr val="dk1"/>
-          </a:effectRef>
-          <a:fontRef idx="minor">
-            <a:schemeClr val="tx1"/>
-          </a:fontRef>
-        </p:style>
-      </p:cxnSp>
-      <p:cxnSp>
-        <p:nvCxnSpPr>
-          <p:cNvPr id="26" name="Elbow Connector 25">
-            <a:extLst>
-              <a:ext uri="{FF2B5EF4-FFF2-40B4-BE49-F238E27FC236}">
-                <a16:creationId xmlns:a16="http://schemas.microsoft.com/office/drawing/2014/main" id="{AC7934B8-0163-B80F-BE9B-54023C3922E2}"/>
-              </a:ext>
-            </a:extLst>
-          </p:cNvPr>
-          <p:cNvCxnSpPr>
-            <a:cxnSpLocks/>
-          </p:cNvCxnSpPr>
-          <p:nvPr/>
-        </p:nvCxnSpPr>
-        <p:spPr>
-          <a:xfrm rot="16200000" flipH="1">
-            <a:off x="4172593" y="2495736"/>
-            <a:ext cx="1269229" cy="1097793"/>
-          </a:xfrm>
-          <a:prstGeom prst="bentConnector3">
-            <a:avLst>
-              <a:gd name="adj1" fmla="val 34126"/>
-            </a:avLst>
-          </a:prstGeom>
-          <a:ln w="19050">
-            <a:solidFill>
-              <a:schemeClr val="tx2"/>
-            </a:solidFill>
-            <a:tailEnd type="triangle"/>
-          </a:ln>
-        </p:spPr>
-        <p:style>
-          <a:lnRef idx="1">
-            <a:schemeClr val="dk1"/>
-          </a:lnRef>
-          <a:fillRef idx="0">
-            <a:schemeClr val="dk1"/>
-          </a:fillRef>
-          <a:effectRef idx="0">
-            <a:schemeClr val="dk1"/>
-          </a:effectRef>
-          <a:fontRef idx="minor">
-            <a:schemeClr val="tx1"/>
-          </a:fontRef>
-        </p:style>
-      </p:cxnSp>
-      <p:cxnSp>
-        <p:nvCxnSpPr>
-          <p:cNvPr id="29" name="Elbow Connector 28">
-            <a:extLst>
-              <a:ext uri="{FF2B5EF4-FFF2-40B4-BE49-F238E27FC236}">
-                <a16:creationId xmlns:a16="http://schemas.microsoft.com/office/drawing/2014/main" id="{6E1F38CE-7CB6-0955-59B2-74B886193EC0}"/>
-              </a:ext>
-            </a:extLst>
-          </p:cNvPr>
-          <p:cNvCxnSpPr>
-            <a:cxnSpLocks/>
-          </p:cNvCxnSpPr>
-          <p:nvPr/>
-        </p:nvCxnSpPr>
-        <p:spPr>
-          <a:xfrm rot="5400000">
-            <a:off x="5274611" y="2487413"/>
-            <a:ext cx="1273328" cy="1110342"/>
-          </a:xfrm>
-          <a:prstGeom prst="bentConnector3">
-            <a:avLst>
-              <a:gd name="adj1" fmla="val 34449"/>
-            </a:avLst>
-          </a:prstGeom>
-          <a:ln w="19050">
-            <a:solidFill>
-              <a:schemeClr val="tx2">
-                <a:lumMod val="75000"/>
-              </a:schemeClr>
-            </a:solidFill>
-            <a:tailEnd type="triangle"/>
-          </a:ln>
-        </p:spPr>
-        <p:style>
-          <a:lnRef idx="1">
-            <a:schemeClr val="dk1"/>
-          </a:lnRef>
-          <a:fillRef idx="0">
-            <a:schemeClr val="dk1"/>
-          </a:fillRef>
-          <a:effectRef idx="0">
-            <a:schemeClr val="dk1"/>
-          </a:effectRef>
-          <a:fontRef idx="minor">
-            <a:schemeClr val="tx1"/>
-          </a:fontRef>
-        </p:style>
-      </p:cxnSp>
-      <p:cxnSp>
-        <p:nvCxnSpPr>
-          <p:cNvPr id="45" name="Straight Arrow Connector 44">
-            <a:extLst>
-              <a:ext uri="{FF2B5EF4-FFF2-40B4-BE49-F238E27FC236}">
-                <a16:creationId xmlns:a16="http://schemas.microsoft.com/office/drawing/2014/main" id="{B47A7CEC-32D7-38E0-4AFC-109B8124246D}"/>
-              </a:ext>
-            </a:extLst>
-          </p:cNvPr>
-          <p:cNvCxnSpPr>
-            <a:cxnSpLocks/>
-            <a:stCxn id="3" idx="1"/>
-            <a:endCxn id="6" idx="3"/>
-          </p:cNvCxnSpPr>
-          <p:nvPr/>
-        </p:nvCxnSpPr>
-        <p:spPr>
-          <a:xfrm flipH="1" flipV="1">
-            <a:off x="3043709" y="2098144"/>
-            <a:ext cx="263636" cy="4099"/>
-          </a:xfrm>
-          <a:prstGeom prst="straightConnector1">
-            <a:avLst/>
-          </a:prstGeom>
-          <a:ln w="19050">
-            <a:solidFill>
-              <a:schemeClr val="tx2">
-                <a:lumMod val="75000"/>
-              </a:schemeClr>
-            </a:solidFill>
-            <a:tailEnd type="triangle"/>
-          </a:ln>
-        </p:spPr>
-        <p:style>
-          <a:lnRef idx="1">
-            <a:schemeClr val="dk1"/>
-          </a:lnRef>
-          <a:fillRef idx="0">
-            <a:schemeClr val="dk1"/>
-          </a:fillRef>
-          <a:effectRef idx="0">
-            <a:schemeClr val="dk1"/>
-          </a:effectRef>
-          <a:fontRef idx="minor">
-            <a:schemeClr val="tx1"/>
-          </a:fontRef>
-        </p:style>
-      </p:cxnSp>
-      <p:cxnSp>
-        <p:nvCxnSpPr>
-          <p:cNvPr id="50" name="Straight Arrow Connector 49">
-            <a:extLst>
-              <a:ext uri="{FF2B5EF4-FFF2-40B4-BE49-F238E27FC236}">
-                <a16:creationId xmlns:a16="http://schemas.microsoft.com/office/drawing/2014/main" id="{45FFEEA4-925A-A613-02CB-455BD84766FF}"/>
-              </a:ext>
-            </a:extLst>
-          </p:cNvPr>
-          <p:cNvCxnSpPr>
-            <a:cxnSpLocks/>
-            <a:stCxn id="7" idx="3"/>
             <a:endCxn id="8" idx="1"/>
           </p:cNvCxnSpPr>
           <p:nvPr/>
         </p:nvCxnSpPr>
         <p:spPr>
           <a:xfrm>
-            <a:off x="6889799" y="2098144"/>
-            <a:ext cx="263636" cy="615"/>
+            <a:off x="5355238" y="2661158"/>
+            <a:ext cx="1589611" cy="2"/>
           </a:xfrm>
           <a:prstGeom prst="straightConnector1">
             <a:avLst/>
@@ -4493,8 +4090,8 @@
         </p:nvCxnSpPr>
         <p:spPr>
           <a:xfrm flipH="1">
-            <a:off x="3148331" y="3316304"/>
-            <a:ext cx="2219959" cy="0"/>
+            <a:off x="2721490" y="3443958"/>
+            <a:ext cx="2634925" cy="0"/>
           </a:xfrm>
           <a:prstGeom prst="straightConnector1">
             <a:avLst/>
@@ -4540,7 +4137,7 @@
         <p:spPr>
           <a:xfrm>
             <a:off x="5356104" y="4297461"/>
-            <a:ext cx="0" cy="1055510"/>
+            <a:ext cx="0" cy="407704"/>
           </a:xfrm>
           <a:prstGeom prst="straightConnector1">
             <a:avLst/>
@@ -4580,13 +4177,15 @@
           </p:cNvPr>
           <p:cNvCxnSpPr>
             <a:cxnSpLocks/>
+            <a:stCxn id="14" idx="3"/>
+            <a:endCxn id="13" idx="1"/>
           </p:cNvCxnSpPr>
           <p:nvPr/>
         </p:nvCxnSpPr>
         <p:spPr>
-          <a:xfrm>
-            <a:off x="5356104" y="4788277"/>
-            <a:ext cx="1797331" cy="0"/>
+          <a:xfrm flipV="1">
+            <a:off x="6842689" y="3989684"/>
+            <a:ext cx="497975" cy="1"/>
           </a:xfrm>
           <a:prstGeom prst="straightConnector1">
             <a:avLst/>
@@ -4629,7 +4228,7 @@
         </p:nvSpPr>
         <p:spPr>
           <a:xfrm>
-            <a:off x="7153435" y="4336669"/>
+            <a:off x="7340664" y="3558797"/>
             <a:ext cx="1563184" cy="861774"/>
           </a:xfrm>
           <a:prstGeom prst="rect">
@@ -4703,7 +4302,7 @@
         </p:nvSpPr>
         <p:spPr>
           <a:xfrm>
-            <a:off x="1567952" y="4339224"/>
+            <a:off x="1102842" y="4582054"/>
             <a:ext cx="1476623" cy="861774"/>
           </a:xfrm>
           <a:prstGeom prst="rect">
@@ -4765,23 +4364,23 @@
       </p:sp>
       <p:cxnSp>
         <p:nvCxnSpPr>
-          <p:cNvPr id="17" name="Straight Arrow Connector 16">
-            <a:extLst>
-              <a:ext uri="{FF2B5EF4-FFF2-40B4-BE49-F238E27FC236}">
-                <a16:creationId xmlns:a16="http://schemas.microsoft.com/office/drawing/2014/main" id="{080E6245-D89A-2A7B-35FB-4FA643C78F1F}"/>
+          <p:cNvPr id="27" name="Straight Arrow Connector 26">
+            <a:extLst>
+              <a:ext uri="{FF2B5EF4-FFF2-40B4-BE49-F238E27FC236}">
+                <a16:creationId xmlns:a16="http://schemas.microsoft.com/office/drawing/2014/main" id="{62EC2AD3-3735-D4EC-37B3-FA6CFEB49A77}"/>
               </a:ext>
             </a:extLst>
           </p:cNvPr>
           <p:cNvCxnSpPr>
             <a:cxnSpLocks/>
-            <a:endCxn id="15" idx="3"/>
+            <a:stCxn id="7" idx="2"/>
           </p:cNvCxnSpPr>
           <p:nvPr/>
         </p:nvCxnSpPr>
         <p:spPr>
-          <a:xfrm flipH="1" flipV="1">
-            <a:off x="3044575" y="4770111"/>
-            <a:ext cx="2311529" cy="15389"/>
+          <a:xfrm>
+            <a:off x="5362200" y="2338839"/>
+            <a:ext cx="0" cy="1330209"/>
           </a:xfrm>
           <a:prstGeom prst="straightConnector1">
             <a:avLst/>
@@ -4810,6 +4409,275 @@
           </a:fontRef>
         </p:style>
       </p:cxnSp>
+      <p:sp>
+        <p:nvSpPr>
+          <p:cNvPr id="3" name="TextBox 2">
+            <a:extLst>
+              <a:ext uri="{FF2B5EF4-FFF2-40B4-BE49-F238E27FC236}">
+                <a16:creationId xmlns:a16="http://schemas.microsoft.com/office/drawing/2014/main" id="{2CDF6565-3F4F-82F1-D040-A278CF595519}"/>
+              </a:ext>
+            </a:extLst>
+          </p:cNvPr>
+          <p:cNvSpPr txBox="1"/>
+          <p:nvPr/>
+        </p:nvSpPr>
+        <p:spPr>
+          <a:xfrm>
+            <a:off x="1102842" y="2353383"/>
+            <a:ext cx="2021708" cy="615553"/>
+          </a:xfrm>
+          <a:prstGeom prst="rect">
+            <a:avLst/>
+          </a:prstGeom>
+          <a:solidFill>
+            <a:srgbClr val="F5DDD8"/>
+          </a:solidFill>
+          <a:ln w="28575">
+            <a:solidFill>
+              <a:schemeClr val="tx2"/>
+            </a:solidFill>
+          </a:ln>
+        </p:spPr>
+        <p:txBody>
+          <a:bodyPr wrap="none" rtlCol="0">
+            <a:spAutoFit/>
+          </a:bodyPr>
+          <a:lstStyle/>
+          <a:p>
+            <a:pPr algn="ctr"/>
+            <a:r>
+              <a:rPr lang="da-DK" b="1" dirty="0" err="1"/>
+              <a:t>fMRI</a:t>
+            </a:r>
+            <a:r>
+              <a:rPr lang="da-DK" b="1" dirty="0"/>
+              <a:t> </a:t>
+            </a:r>
+            <a:r>
+              <a:rPr lang="da-DK" b="1" dirty="0" err="1"/>
+              <a:t>Quality</a:t>
+            </a:r>
+            <a:r>
+              <a:rPr lang="da-DK" b="1" dirty="0"/>
+              <a:t> Check</a:t>
+            </a:r>
+            <a:endParaRPr lang="en-DK" b="1" dirty="0"/>
+          </a:p>
+          <a:p>
+            <a:pPr algn="ctr"/>
+            <a:r>
+              <a:rPr lang="en-GB" sz="1600" dirty="0">
+                <a:solidFill>
+                  <a:srgbClr val="C00000"/>
+                </a:solidFill>
+              </a:rPr>
+              <a:t>n</a:t>
+            </a:r>
+            <a:r>
+              <a:rPr lang="en-DK" sz="1600" dirty="0">
+                <a:solidFill>
+                  <a:srgbClr val="C00000"/>
+                </a:solidFill>
+              </a:rPr>
+              <a:t> = 23 rejected</a:t>
+            </a:r>
+          </a:p>
+        </p:txBody>
+      </p:sp>
+      <p:cxnSp>
+        <p:nvCxnSpPr>
+          <p:cNvPr id="4" name="Straight Arrow Connector 3">
+            <a:extLst>
+              <a:ext uri="{FF2B5EF4-FFF2-40B4-BE49-F238E27FC236}">
+                <a16:creationId xmlns:a16="http://schemas.microsoft.com/office/drawing/2014/main" id="{A1FA266F-88E3-12B7-C013-E4BBAAFE1C93}"/>
+              </a:ext>
+            </a:extLst>
+          </p:cNvPr>
+          <p:cNvCxnSpPr>
+            <a:cxnSpLocks/>
+            <a:endCxn id="3" idx="3"/>
+          </p:cNvCxnSpPr>
+          <p:nvPr/>
+        </p:nvCxnSpPr>
+        <p:spPr>
+          <a:xfrm flipH="1">
+            <a:off x="3124550" y="2661158"/>
+            <a:ext cx="2237650" cy="2"/>
+          </a:xfrm>
+          <a:prstGeom prst="straightConnector1">
+            <a:avLst/>
+          </a:prstGeom>
+          <a:ln w="19050">
+            <a:solidFill>
+              <a:schemeClr val="tx2">
+                <a:lumMod val="75000"/>
+              </a:schemeClr>
+            </a:solidFill>
+            <a:tailEnd type="triangle"/>
+          </a:ln>
+        </p:spPr>
+        <p:style>
+          <a:lnRef idx="1">
+            <a:schemeClr val="dk1"/>
+          </a:lnRef>
+          <a:fillRef idx="0">
+            <a:schemeClr val="dk1"/>
+          </a:fillRef>
+          <a:effectRef idx="0">
+            <a:schemeClr val="dk1"/>
+          </a:effectRef>
+          <a:fontRef idx="minor">
+            <a:schemeClr val="tx1"/>
+          </a:fontRef>
+        </p:style>
+      </p:cxnSp>
+      <p:cxnSp>
+        <p:nvCxnSpPr>
+          <p:cNvPr id="21" name="Straight Arrow Connector 20">
+            <a:extLst>
+              <a:ext uri="{FF2B5EF4-FFF2-40B4-BE49-F238E27FC236}">
+                <a16:creationId xmlns:a16="http://schemas.microsoft.com/office/drawing/2014/main" id="{59A14998-1D2E-FD52-032E-49A6A0982B88}"/>
+              </a:ext>
+            </a:extLst>
+          </p:cNvPr>
+          <p:cNvCxnSpPr>
+            <a:cxnSpLocks/>
+            <a:endCxn id="11" idx="0"/>
+          </p:cNvCxnSpPr>
+          <p:nvPr/>
+        </p:nvCxnSpPr>
+        <p:spPr>
+          <a:xfrm>
+            <a:off x="5362200" y="5320718"/>
+            <a:ext cx="2996" cy="306952"/>
+          </a:xfrm>
+          <a:prstGeom prst="straightConnector1">
+            <a:avLst/>
+          </a:prstGeom>
+          <a:ln w="19050">
+            <a:solidFill>
+              <a:schemeClr val="tx2">
+                <a:lumMod val="75000"/>
+              </a:schemeClr>
+            </a:solidFill>
+            <a:tailEnd type="triangle"/>
+          </a:ln>
+        </p:spPr>
+        <p:style>
+          <a:lnRef idx="1">
+            <a:schemeClr val="dk1"/>
+          </a:lnRef>
+          <a:fillRef idx="0">
+            <a:schemeClr val="dk1"/>
+          </a:fillRef>
+          <a:effectRef idx="0">
+            <a:schemeClr val="dk1"/>
+          </a:effectRef>
+          <a:fontRef idx="minor">
+            <a:schemeClr val="tx1"/>
+          </a:fontRef>
+        </p:style>
+      </p:cxnSp>
+      <p:cxnSp>
+        <p:nvCxnSpPr>
+          <p:cNvPr id="18" name="Straight Arrow Connector 17">
+            <a:extLst>
+              <a:ext uri="{FF2B5EF4-FFF2-40B4-BE49-F238E27FC236}">
+                <a16:creationId xmlns:a16="http://schemas.microsoft.com/office/drawing/2014/main" id="{546E5ACA-B5AC-2E2C-F09C-03A36E0175B6}"/>
+              </a:ext>
+            </a:extLst>
+          </p:cNvPr>
+          <p:cNvCxnSpPr>
+            <a:cxnSpLocks/>
+          </p:cNvCxnSpPr>
+          <p:nvPr/>
+        </p:nvCxnSpPr>
+        <p:spPr>
+          <a:xfrm flipH="1">
+            <a:off x="2591102" y="5019776"/>
+            <a:ext cx="2634925" cy="0"/>
+          </a:xfrm>
+          <a:prstGeom prst="straightConnector1">
+            <a:avLst/>
+          </a:prstGeom>
+          <a:ln w="19050">
+            <a:solidFill>
+              <a:schemeClr val="tx2">
+                <a:lumMod val="75000"/>
+              </a:schemeClr>
+            </a:solidFill>
+            <a:tailEnd type="triangle"/>
+          </a:ln>
+        </p:spPr>
+        <p:style>
+          <a:lnRef idx="1">
+            <a:schemeClr val="dk1"/>
+          </a:lnRef>
+          <a:fillRef idx="0">
+            <a:schemeClr val="dk1"/>
+          </a:fillRef>
+          <a:effectRef idx="0">
+            <a:schemeClr val="dk1"/>
+          </a:effectRef>
+          <a:fontRef idx="minor">
+            <a:schemeClr val="tx1"/>
+          </a:fontRef>
+        </p:style>
+      </p:cxnSp>
+      <p:sp>
+        <p:nvSpPr>
+          <p:cNvPr id="2" name="TextBox 1">
+            <a:extLst>
+              <a:ext uri="{FF2B5EF4-FFF2-40B4-BE49-F238E27FC236}">
+                <a16:creationId xmlns:a16="http://schemas.microsoft.com/office/drawing/2014/main" id="{947DB3DA-2707-DE32-4839-94F9E2E48D72}"/>
+              </a:ext>
+            </a:extLst>
+          </p:cNvPr>
+          <p:cNvSpPr txBox="1"/>
+          <p:nvPr/>
+        </p:nvSpPr>
+        <p:spPr>
+          <a:xfrm>
+            <a:off x="4729650" y="4705165"/>
+            <a:ext cx="1252907" cy="615553"/>
+          </a:xfrm>
+          <a:prstGeom prst="rect">
+            <a:avLst/>
+          </a:prstGeom>
+          <a:solidFill>
+            <a:srgbClr val="E3F7F7"/>
+          </a:solidFill>
+          <a:ln w="28575">
+            <a:solidFill>
+              <a:schemeClr val="tx2"/>
+            </a:solidFill>
+          </a:ln>
+        </p:spPr>
+        <p:txBody>
+          <a:bodyPr wrap="none" rtlCol="0">
+            <a:spAutoFit/>
+          </a:bodyPr>
+          <a:lstStyle/>
+          <a:p>
+            <a:r>
+              <a:rPr lang="da-DK" b="1" dirty="0"/>
+              <a:t>Psych Data</a:t>
+            </a:r>
+            <a:endParaRPr lang="en-DK" b="1" dirty="0"/>
+          </a:p>
+          <a:p>
+            <a:pPr algn="ctr"/>
+            <a:r>
+              <a:rPr lang="en-GB" sz="1600" dirty="0"/>
+              <a:t>n</a:t>
+            </a:r>
+            <a:r>
+              <a:rPr lang="en-DK" sz="1600" dirty="0"/>
+              <a:t> = 236</a:t>
+            </a:r>
+          </a:p>
+        </p:txBody>
+      </p:sp>
     </p:spTree>
     <p:extLst>
       <p:ext uri="{BB962C8B-B14F-4D97-AF65-F5344CB8AC3E}">
